--- a/The History of Operating Systems.pptx
+++ b/The History of Operating Systems.pptx
@@ -21,11 +21,11 @@
   <p:notesSz cx="6858000" cy="9144000"/>
   <p:embeddedFontLst>
     <p:embeddedFont>
-      <p:font typeface="Anaheim" panose="020B0604020202020204" charset="0"/>
+      <p:font typeface="Zen Dots" panose="020B0604020202020204" charset="0"/>
       <p:regular r:id="rId11"/>
     </p:embeddedFont>
     <p:embeddedFont>
-      <p:font typeface="Zen Dots" panose="020B0604020202020204" charset="0"/>
+      <p:font typeface="Anaheim" panose="020B0604020202020204" charset="0"/>
       <p:regular r:id="rId12"/>
     </p:embeddedFont>
   </p:embeddedFontLst>
@@ -16252,6 +16252,13 @@
   <p:clrMapOvr>
     <a:masterClrMapping/>
   </p:clrMapOvr>
+  <p:timing>
+    <p:tnLst>
+      <p:par>
+        <p:cTn id="1" dur="indefinite" restart="never" nodeType="tmRoot"/>
+      </p:par>
+    </p:tnLst>
+  </p:timing>
 </p:sld>
 </file>
 
@@ -16514,6 +16521,13 @@
   <p:clrMapOvr>
     <a:masterClrMapping/>
   </p:clrMapOvr>
+  <p:timing>
+    <p:tnLst>
+      <p:par>
+        <p:cTn id="1" dur="indefinite" restart="never" nodeType="tmRoot"/>
+      </p:par>
+    </p:tnLst>
+  </p:timing>
 </p:sld>
 </file>
 
@@ -16743,6 +16757,13 @@
   <p:clrMapOvr>
     <a:masterClrMapping/>
   </p:clrMapOvr>
+  <p:timing>
+    <p:tnLst>
+      <p:par>
+        <p:cTn id="1" dur="indefinite" restart="never" nodeType="tmRoot"/>
+      </p:par>
+    </p:tnLst>
+  </p:timing>
 </p:sld>
 </file>
 
@@ -17049,6 +17070,13 @@
   <p:clrMapOvr>
     <a:masterClrMapping/>
   </p:clrMapOvr>
+  <p:timing>
+    <p:tnLst>
+      <p:par>
+        <p:cTn id="1" dur="indefinite" restart="never" nodeType="tmRoot"/>
+      </p:par>
+    </p:tnLst>
+  </p:timing>
 </p:sld>
 </file>
 
@@ -17297,6 +17325,13 @@
   <p:clrMapOvr>
     <a:masterClrMapping/>
   </p:clrMapOvr>
+  <p:timing>
+    <p:tnLst>
+      <p:par>
+        <p:cTn id="1" dur="indefinite" restart="never" nodeType="tmRoot"/>
+      </p:par>
+    </p:tnLst>
+  </p:timing>
 </p:sld>
 </file>
 
@@ -17505,6 +17540,13 @@
   <p:clrMapOvr>
     <a:masterClrMapping/>
   </p:clrMapOvr>
+  <p:timing>
+    <p:tnLst>
+      <p:par>
+        <p:cTn id="1" dur="indefinite" restart="never" nodeType="tmRoot"/>
+      </p:par>
+    </p:tnLst>
+  </p:timing>
 </p:sld>
 </file>
 
@@ -17565,6 +17607,13 @@
   <p:clrMapOvr>
     <a:masterClrMapping/>
   </p:clrMapOvr>
+  <p:timing>
+    <p:tnLst>
+      <p:par>
+        <p:cTn id="1" dur="indefinite" restart="never" nodeType="tmRoot"/>
+      </p:par>
+    </p:tnLst>
+  </p:timing>
 </p:sld>
 </file>
 
@@ -17625,6 +17674,13 @@
   <p:clrMapOvr>
     <a:masterClrMapping/>
   </p:clrMapOvr>
+  <p:timing>
+    <p:tnLst>
+      <p:par>
+        <p:cTn id="1" dur="indefinite" restart="never" nodeType="tmRoot"/>
+      </p:par>
+    </p:tnLst>
+  </p:timing>
 </p:sld>
 </file>
 
